--- a/Cartes-Cognitive-Biases/Cartes-Cognitive-Biases.pptx
+++ b/Cartes-Cognitive-Biases/Cartes-Cognitive-Biases.pptx
@@ -208,7 +208,7 @@
           <a:p>
             <a:fld id="{1DB656F3-66B6-4E34-8BF3-867C83E8DBEA}" type="datetimeFigureOut">
               <a:rPr lang="en-US" smtClean="0"/>
-              <a:t>7/18/2019</a:t>
+              <a:t>8/22/2019</a:t>
             </a:fld>
             <a:endParaRPr lang="en-US"/>
           </a:p>
@@ -373,7 +373,7 @@
           <a:p>
             <a:fld id="{F81DF3D0-D865-4C27-8317-28E21CADCD86}" type="datetimeFigureOut">
               <a:rPr lang="en-US" smtClean="0"/>
-              <a:t>7/18/2019</a:t>
+              <a:t>8/22/2019</a:t>
             </a:fld>
             <a:endParaRPr lang="en-US"/>
           </a:p>
@@ -6640,11 +6640,6 @@
               </a:rPr>
               <a:t>problem</a:t>
             </a:r>
-            <a:endParaRPr lang="en-US" sz="1200" i="1" dirty="0">
-              <a:solidFill>
-                <a:schemeClr val="bg1"/>
-              </a:solidFill>
-            </a:endParaRPr>
           </a:p>
         </p:txBody>
       </p:sp>
@@ -6860,7 +6855,7 @@
         </p:nvSpPr>
         <p:spPr>
           <a:xfrm>
-            <a:off x="3640337" y="5013167"/>
+            <a:off x="3640336" y="1263216"/>
             <a:ext cx="2550033" cy="2800767"/>
           </a:xfrm>
           <a:prstGeom prst="rect">
@@ -6977,11 +6972,6 @@
               </a:rPr>
               <a:t>hypothesis</a:t>
             </a:r>
-            <a:endParaRPr lang="en-US" sz="1200" i="1" dirty="0">
-              <a:solidFill>
-                <a:schemeClr val="bg1"/>
-              </a:solidFill>
-            </a:endParaRPr>
           </a:p>
         </p:txBody>
       </p:sp>
@@ -7137,11 +7127,6 @@
               </a:rPr>
               <a:t>effect</a:t>
             </a:r>
-            <a:endParaRPr lang="en-US" sz="1200" i="1" dirty="0">
-              <a:solidFill>
-                <a:schemeClr val="bg1"/>
-              </a:solidFill>
-            </a:endParaRPr>
           </a:p>
         </p:txBody>
       </p:sp>
@@ -7267,11 +7252,6 @@
               </a:rPr>
               <a:t>affect bias</a:t>
             </a:r>
-            <a:endParaRPr lang="en-US" sz="1200" i="1" dirty="0">
-              <a:solidFill>
-                <a:schemeClr val="bg1"/>
-              </a:solidFill>
-            </a:endParaRPr>
           </a:p>
         </p:txBody>
       </p:sp>
@@ -7581,11 +7561,6 @@
               </a:rPr>
               <a:t>effect</a:t>
             </a:r>
-            <a:endParaRPr lang="en-US" sz="1200" i="1" dirty="0">
-              <a:solidFill>
-                <a:schemeClr val="bg1"/>
-              </a:solidFill>
-            </a:endParaRPr>
           </a:p>
         </p:txBody>
       </p:sp>
@@ -7801,11 +7776,6 @@
               </a:rPr>
               <a:t>effect</a:t>
             </a:r>
-            <a:endParaRPr lang="en-US" sz="1200" i="1" dirty="0">
-              <a:solidFill>
-                <a:schemeClr val="bg1"/>
-              </a:solidFill>
-            </a:endParaRPr>
           </a:p>
         </p:txBody>
       </p:sp>
@@ -7817,7 +7787,7 @@
         </p:nvSpPr>
         <p:spPr>
           <a:xfrm>
-            <a:off x="3640337" y="1218933"/>
+            <a:off x="3640336" y="5013167"/>
             <a:ext cx="2550033" cy="1138773"/>
           </a:xfrm>
           <a:prstGeom prst="rect">
@@ -7962,11 +7932,6 @@
               </a:rPr>
               <a:t>Need to Act Fast</a:t>
             </a:r>
-            <a:endParaRPr lang="en-US" b="1" dirty="0" smtClean="0">
-              <a:solidFill>
-                <a:schemeClr val="bg1"/>
-              </a:solidFill>
-            </a:endParaRPr>
           </a:p>
         </p:txBody>
       </p:sp>
@@ -8411,11 +8376,6 @@
               </a:rPr>
               <a:t>Need to Act Fast</a:t>
             </a:r>
-            <a:endParaRPr lang="en-US" b="1" dirty="0" smtClean="0">
-              <a:solidFill>
-                <a:schemeClr val="bg1"/>
-              </a:solidFill>
-            </a:endParaRPr>
           </a:p>
         </p:txBody>
       </p:sp>
@@ -8490,11 +8450,6 @@
               </a:rPr>
               <a:t>COGNITIVE BIAS</a:t>
             </a:r>
-            <a:endParaRPr lang="en-US" b="1" dirty="0" smtClean="0">
-              <a:solidFill>
-                <a:schemeClr val="bg1"/>
-              </a:solidFill>
-            </a:endParaRPr>
           </a:p>
         </p:txBody>
       </p:sp>
@@ -10446,21 +10401,8 @@
                   <a:schemeClr val="bg1"/>
                 </a:solidFill>
               </a:rPr>
-              <a:t>Too Much </a:t>
-            </a:r>
-            <a:r>
-              <a:rPr lang="en-US" b="1" dirty="0" smtClean="0">
-                <a:solidFill>
-                  <a:schemeClr val="bg1"/>
-                </a:solidFill>
-              </a:rPr>
-              <a:t>Information</a:t>
-            </a:r>
-            <a:endParaRPr lang="en-US" b="1" dirty="0" smtClean="0">
-              <a:solidFill>
-                <a:schemeClr val="bg1"/>
-              </a:solidFill>
-            </a:endParaRPr>
+              <a:t>Too Much Information</a:t>
+            </a:r>
           </a:p>
         </p:txBody>
       </p:sp>
@@ -11816,11 +11758,6 @@
               </a:rPr>
               <a:t>effect</a:t>
             </a:r>
-            <a:endParaRPr lang="en-US" sz="1200" i="1" dirty="0">
-              <a:solidFill>
-                <a:schemeClr val="bg1"/>
-              </a:solidFill>
-            </a:endParaRPr>
           </a:p>
         </p:txBody>
       </p:sp>
@@ -12055,11 +11992,6 @@
               </a:rPr>
               <a:t>effect</a:t>
             </a:r>
-            <a:endParaRPr lang="en-US" sz="1200" i="1" dirty="0">
-              <a:solidFill>
-                <a:schemeClr val="bg1"/>
-              </a:solidFill>
-            </a:endParaRPr>
           </a:p>
         </p:txBody>
       </p:sp>
@@ -12223,11 +12155,6 @@
               </a:rPr>
               <a:t>bias</a:t>
             </a:r>
-            <a:endParaRPr lang="en-US" sz="1200" i="1" dirty="0">
-              <a:solidFill>
-                <a:schemeClr val="bg1"/>
-              </a:solidFill>
-            </a:endParaRPr>
           </a:p>
         </p:txBody>
       </p:sp>
@@ -12367,11 +12294,6 @@
               </a:rPr>
               <a:t>bias</a:t>
             </a:r>
-            <a:endParaRPr lang="en-US" sz="1200" i="1" dirty="0">
-              <a:solidFill>
-                <a:schemeClr val="bg1"/>
-              </a:solidFill>
-            </a:endParaRPr>
           </a:p>
         </p:txBody>
       </p:sp>
@@ -12664,11 +12586,6 @@
               </a:rPr>
               <a:t>of narrative gravity</a:t>
             </a:r>
-            <a:endParaRPr lang="en-US" sz="1200" i="1" dirty="0">
-              <a:solidFill>
-                <a:schemeClr val="bg1"/>
-              </a:solidFill>
-            </a:endParaRPr>
           </a:p>
         </p:txBody>
       </p:sp>
@@ -12787,11 +12704,6 @@
               </a:rPr>
               <a:t>realism</a:t>
             </a:r>
-            <a:endParaRPr lang="en-US" sz="1200" i="1" dirty="0">
-              <a:solidFill>
-                <a:schemeClr val="bg1"/>
-              </a:solidFill>
-            </a:endParaRPr>
           </a:p>
         </p:txBody>
       </p:sp>
@@ -12862,11 +12774,6 @@
               </a:rPr>
               <a:t>Too Much Information</a:t>
             </a:r>
-            <a:endParaRPr lang="en-US" b="1" dirty="0" smtClean="0">
-              <a:solidFill>
-                <a:schemeClr val="bg1"/>
-              </a:solidFill>
-            </a:endParaRPr>
           </a:p>
         </p:txBody>
       </p:sp>
@@ -12900,11 +12807,6 @@
               </a:rPr>
               <a:t>Not Enough Meaning</a:t>
             </a:r>
-            <a:endParaRPr lang="en-US" b="1" dirty="0" smtClean="0">
-              <a:solidFill>
-                <a:schemeClr val="bg1"/>
-              </a:solidFill>
-            </a:endParaRPr>
           </a:p>
         </p:txBody>
       </p:sp>
@@ -12938,11 +12840,6 @@
               </a:rPr>
               <a:t>Not Enough Meaning</a:t>
             </a:r>
-            <a:endParaRPr lang="en-US" b="1" dirty="0" smtClean="0">
-              <a:solidFill>
-                <a:schemeClr val="bg1"/>
-              </a:solidFill>
-            </a:endParaRPr>
           </a:p>
         </p:txBody>
       </p:sp>
@@ -12976,11 +12873,6 @@
               </a:rPr>
               <a:t>Not Enough Meaning</a:t>
             </a:r>
-            <a:endParaRPr lang="en-US" b="1" dirty="0" smtClean="0">
-              <a:solidFill>
-                <a:schemeClr val="bg1"/>
-              </a:solidFill>
-            </a:endParaRPr>
           </a:p>
         </p:txBody>
       </p:sp>
@@ -13014,11 +12906,6 @@
               </a:rPr>
               <a:t>Too Much Information</a:t>
             </a:r>
-            <a:endParaRPr lang="en-US" b="1" dirty="0" smtClean="0">
-              <a:solidFill>
-                <a:schemeClr val="bg1"/>
-              </a:solidFill>
-            </a:endParaRPr>
           </a:p>
         </p:txBody>
       </p:sp>
@@ -13052,11 +12939,6 @@
               </a:rPr>
               <a:t>Too Much Information</a:t>
             </a:r>
-            <a:endParaRPr lang="en-US" b="1" dirty="0" smtClean="0">
-              <a:solidFill>
-                <a:schemeClr val="bg1"/>
-              </a:solidFill>
-            </a:endParaRPr>
           </a:p>
         </p:txBody>
       </p:sp>
@@ -13090,11 +12972,6 @@
               </a:rPr>
               <a:t>Too Much Information</a:t>
             </a:r>
-            <a:endParaRPr lang="en-US" b="1" dirty="0" smtClean="0">
-              <a:solidFill>
-                <a:schemeClr val="bg1"/>
-              </a:solidFill>
-            </a:endParaRPr>
           </a:p>
         </p:txBody>
       </p:sp>
@@ -13795,11 +13672,6 @@
               </a:rPr>
               <a:t>fallacy</a:t>
             </a:r>
-            <a:endParaRPr lang="en-US" sz="1200" i="1" dirty="0">
-              <a:solidFill>
-                <a:schemeClr val="bg1"/>
-              </a:solidFill>
-            </a:endParaRPr>
           </a:p>
         </p:txBody>
       </p:sp>
@@ -14500,11 +14372,6 @@
               </a:rPr>
               <a:t>bias</a:t>
             </a:r>
-            <a:endParaRPr lang="en-US" sz="1200" i="1" dirty="0">
-              <a:solidFill>
-                <a:schemeClr val="bg1"/>
-              </a:solidFill>
-            </a:endParaRPr>
           </a:p>
         </p:txBody>
       </p:sp>
@@ -14912,11 +14779,6 @@
               </a:rPr>
               <a:t>victim effect</a:t>
             </a:r>
-            <a:endParaRPr lang="en-US" sz="1200" i="1" dirty="0">
-              <a:solidFill>
-                <a:schemeClr val="bg1"/>
-              </a:solidFill>
-            </a:endParaRPr>
           </a:p>
         </p:txBody>
       </p:sp>
@@ -15200,11 +15062,6 @@
               </a:rPr>
               <a:t>effect</a:t>
             </a:r>
-            <a:endParaRPr lang="en-US" sz="1200" i="1" dirty="0">
-              <a:solidFill>
-                <a:schemeClr val="bg1"/>
-              </a:solidFill>
-            </a:endParaRPr>
           </a:p>
         </p:txBody>
       </p:sp>
@@ -15488,11 +15345,6 @@
               </a:rPr>
               <a:t>Need to Act Fast</a:t>
             </a:r>
-            <a:endParaRPr lang="en-US" b="1" dirty="0" smtClean="0">
-              <a:solidFill>
-                <a:schemeClr val="bg1"/>
-              </a:solidFill>
-            </a:endParaRPr>
           </a:p>
         </p:txBody>
       </p:sp>
@@ -15526,11 +15378,6 @@
               </a:rPr>
               <a:t>Not Enough Meaning</a:t>
             </a:r>
-            <a:endParaRPr lang="en-US" b="1" dirty="0" smtClean="0">
-              <a:solidFill>
-                <a:schemeClr val="bg1"/>
-              </a:solidFill>
-            </a:endParaRPr>
           </a:p>
         </p:txBody>
       </p:sp>
@@ -15564,11 +15411,6 @@
               </a:rPr>
               <a:t>Not Enough Meaning</a:t>
             </a:r>
-            <a:endParaRPr lang="en-US" b="1" dirty="0" smtClean="0">
-              <a:solidFill>
-                <a:schemeClr val="bg1"/>
-              </a:solidFill>
-            </a:endParaRPr>
           </a:p>
         </p:txBody>
       </p:sp>
@@ -15602,11 +15444,6 @@
               </a:rPr>
               <a:t>Not Enough Meaning</a:t>
             </a:r>
-            <a:endParaRPr lang="en-US" b="1" dirty="0" smtClean="0">
-              <a:solidFill>
-                <a:schemeClr val="bg1"/>
-              </a:solidFill>
-            </a:endParaRPr>
           </a:p>
         </p:txBody>
       </p:sp>
@@ -15640,11 +15477,6 @@
               </a:rPr>
               <a:t>Need to Act Fast</a:t>
             </a:r>
-            <a:endParaRPr lang="en-US" b="1" dirty="0" smtClean="0">
-              <a:solidFill>
-                <a:schemeClr val="bg1"/>
-              </a:solidFill>
-            </a:endParaRPr>
           </a:p>
         </p:txBody>
       </p:sp>
@@ -15678,11 +15510,6 @@
               </a:rPr>
               <a:t>Need to Act Fast</a:t>
             </a:r>
-            <a:endParaRPr lang="en-US" b="1" dirty="0" smtClean="0">
-              <a:solidFill>
-                <a:schemeClr val="bg1"/>
-              </a:solidFill>
-            </a:endParaRPr>
           </a:p>
         </p:txBody>
       </p:sp>
@@ -15716,11 +15543,6 @@
               </a:rPr>
               <a:t>Need to Act Fast</a:t>
             </a:r>
-            <a:endParaRPr lang="en-US" b="1" dirty="0" smtClean="0">
-              <a:solidFill>
-                <a:schemeClr val="bg1"/>
-              </a:solidFill>
-            </a:endParaRPr>
           </a:p>
         </p:txBody>
       </p:sp>
